--- a/Apresentacao_EDL.pptx
+++ b/Apresentacao_EDL.pptx
@@ -6,6 +6,8 @@
   </p:sldMasterIdLst>
   <p:sldIdLst>
     <p:sldId id="256" r:id="rId2"/>
+    <p:sldId id="257" r:id="rId3"/>
+    <p:sldId id="258" r:id="rId4"/>
   </p:sldIdLst>
   <p:sldSz cx="12192000" cy="6858000"/>
   <p:notesSz cx="6858000" cy="9144000"/>
@@ -104,6 +106,11 @@
       </a:defRPr>
     </a:lvl9pPr>
   </p:defaultTextStyle>
+  <p:extLst>
+    <p:ext uri="{EFAFB233-063F-42B5-8137-9DF3F51BA10A}">
+      <p15:sldGuideLst xmlns:p15="http://schemas.microsoft.com/office/powerpoint/2012/main"/>
+    </p:ext>
+  </p:extLst>
 </p:presentation>
 </file>
 
@@ -7632,29 +7639,70 @@
         </p:nvSpPr>
         <p:spPr/>
         <p:txBody>
+          <a:bodyPr>
+            <a:normAutofit/>
+          </a:bodyPr>
+          <a:lstStyle/>
+          <a:p>
+            <a:r>
+              <a:rPr lang="pt-BR" dirty="0" smtClean="0"/>
+              <a:t>Trabalho sobre a Linguagem Shell Script</a:t>
+            </a:r>
+            <a:endParaRPr lang="pt-BR" dirty="0"/>
+          </a:p>
+        </p:txBody>
+      </p:sp>
+      <p:sp>
+        <p:nvSpPr>
+          <p:cNvPr id="3" name="Subtítulo 2"/>
+          <p:cNvSpPr>
+            <a:spLocks noGrp="1"/>
+          </p:cNvSpPr>
+          <p:nvPr>
+            <p:ph type="subTitle" idx="1"/>
+          </p:nvPr>
+        </p:nvSpPr>
+        <p:spPr/>
+        <p:txBody>
           <a:bodyPr/>
           <a:lstStyle/>
           <a:p>
-            <a:endParaRPr lang="pt-BR"/>
-          </a:p>
-        </p:txBody>
-      </p:sp>
-      <p:sp>
-        <p:nvSpPr>
-          <p:cNvPr id="3" name="Subtítulo 2"/>
-          <p:cNvSpPr>
-            <a:spLocks noGrp="1"/>
-          </p:cNvSpPr>
-          <p:nvPr>
-            <p:ph type="subTitle" idx="1"/>
-          </p:nvPr>
-        </p:nvSpPr>
-        <p:spPr/>
-        <p:txBody>
-          <a:bodyPr/>
-          <a:lstStyle/>
-          <a:p>
-            <a:endParaRPr lang="pt-BR"/>
+            <a:r>
+              <a:rPr lang="pt-BR" dirty="0" smtClean="0">
+                <a:solidFill>
+                  <a:schemeClr val="tx1"/>
+                </a:solidFill>
+              </a:rPr>
+              <a:t>Aluno: Saulo Martins Soares da Fonseca</a:t>
+            </a:r>
+            <a:r>
+              <a:rPr lang="pt-BR" dirty="0">
+                <a:solidFill>
+                  <a:schemeClr val="tx1"/>
+                </a:solidFill>
+              </a:rPr>
+              <a:t/>
+            </a:r>
+            <a:br>
+              <a:rPr lang="pt-BR" dirty="0">
+                <a:solidFill>
+                  <a:schemeClr val="tx1"/>
+                </a:solidFill>
+              </a:rPr>
+            </a:br>
+            <a:r>
+              <a:rPr lang="pt-BR" dirty="0" smtClean="0">
+                <a:solidFill>
+                  <a:schemeClr val="tx1"/>
+                </a:solidFill>
+              </a:rPr>
+              <a:t>Professor: Francisco Figueiredo Goytacaz Sant’Anna</a:t>
+            </a:r>
+            <a:endParaRPr lang="pt-BR" dirty="0" smtClean="0">
+              <a:solidFill>
+                <a:schemeClr val="tx1"/>
+              </a:solidFill>
+            </a:endParaRPr>
           </a:p>
         </p:txBody>
       </p:sp>
@@ -7662,6 +7710,192 @@
     <p:extLst>
       <p:ext uri="{BB962C8B-B14F-4D97-AF65-F5344CB8AC3E}">
         <p14:creationId xmlns:p14="http://schemas.microsoft.com/office/powerpoint/2010/main" val="1975523065"/>
+      </p:ext>
+    </p:extLst>
+  </p:cSld>
+  <p:clrMapOvr>
+    <a:masterClrMapping/>
+  </p:clrMapOvr>
+  <p:timing>
+    <p:tnLst>
+      <p:par>
+        <p:cTn id="1" dur="indefinite" restart="never" nodeType="tmRoot"/>
+      </p:par>
+    </p:tnLst>
+  </p:timing>
+</p:sld>
+</file>
+
+<file path=ppt/slides/slide2.xml><?xml version="1.0" encoding="utf-8"?>
+<p:sld xmlns:a="http://schemas.openxmlformats.org/drawingml/2006/main" xmlns:r="http://schemas.openxmlformats.org/officeDocument/2006/relationships" xmlns:p="http://schemas.openxmlformats.org/presentationml/2006/main">
+  <p:cSld>
+    <p:spTree>
+      <p:nvGrpSpPr>
+        <p:cNvPr id="1" name=""/>
+        <p:cNvGrpSpPr/>
+        <p:nvPr/>
+      </p:nvGrpSpPr>
+      <p:grpSpPr>
+        <a:xfrm>
+          <a:off x="0" y="0"/>
+          <a:ext cx="0" cy="0"/>
+          <a:chOff x="0" y="0"/>
+          <a:chExt cx="0" cy="0"/>
+        </a:xfrm>
+      </p:grpSpPr>
+      <p:sp>
+        <p:nvSpPr>
+          <p:cNvPr id="2" name="Título 1"/>
+          <p:cNvSpPr>
+            <a:spLocks noGrp="1"/>
+          </p:cNvSpPr>
+          <p:nvPr>
+            <p:ph type="title"/>
+          </p:nvPr>
+        </p:nvSpPr>
+        <p:spPr/>
+        <p:txBody>
+          <a:bodyPr/>
+          <a:lstStyle/>
+          <a:p>
+            <a:r>
+              <a:rPr lang="pt-BR" dirty="0" smtClean="0"/>
+              <a:t>Sumário</a:t>
+            </a:r>
+            <a:endParaRPr lang="pt-BR" dirty="0"/>
+          </a:p>
+        </p:txBody>
+      </p:sp>
+      <p:sp>
+        <p:nvSpPr>
+          <p:cNvPr id="3" name="Espaço Reservado para Conteúdo 2"/>
+          <p:cNvSpPr>
+            <a:spLocks noGrp="1"/>
+          </p:cNvSpPr>
+          <p:nvPr>
+            <p:ph idx="1"/>
+          </p:nvPr>
+        </p:nvSpPr>
+        <p:spPr/>
+        <p:txBody>
+          <a:bodyPr/>
+          <a:lstStyle/>
+          <a:p>
+            <a:r>
+              <a:rPr lang="pt-BR" dirty="0" smtClean="0"/>
+              <a:t>Origens e Influências</a:t>
+            </a:r>
+          </a:p>
+          <a:p>
+            <a:r>
+              <a:rPr lang="pt-BR" dirty="0" smtClean="0"/>
+              <a:t>Classificação da Linguagem Script</a:t>
+            </a:r>
+          </a:p>
+          <a:p>
+            <a:r>
+              <a:rPr lang="pt-BR" dirty="0" smtClean="0"/>
+              <a:t>Estruturas (Variáveis, Controles de Fluxo e Repetição)</a:t>
+            </a:r>
+          </a:p>
+          <a:p>
+            <a:r>
+              <a:rPr lang="pt-BR" dirty="0" smtClean="0"/>
+              <a:t>Funcionalidade</a:t>
+            </a:r>
+          </a:p>
+          <a:p>
+            <a:r>
+              <a:rPr lang="pt-BR" dirty="0" smtClean="0"/>
+              <a:t>Análise de Comparativa </a:t>
+            </a:r>
+            <a:endParaRPr lang="pt-BR" dirty="0"/>
+          </a:p>
+        </p:txBody>
+      </p:sp>
+    </p:spTree>
+    <p:extLst>
+      <p:ext uri="{BB962C8B-B14F-4D97-AF65-F5344CB8AC3E}">
+        <p14:creationId xmlns:p14="http://schemas.microsoft.com/office/powerpoint/2010/main" val="1260045590"/>
+      </p:ext>
+    </p:extLst>
+  </p:cSld>
+  <p:clrMapOvr>
+    <a:masterClrMapping/>
+  </p:clrMapOvr>
+  <p:timing>
+    <p:tnLst>
+      <p:par>
+        <p:cTn id="1" dur="indefinite" restart="never" nodeType="tmRoot"/>
+      </p:par>
+    </p:tnLst>
+  </p:timing>
+</p:sld>
+</file>
+
+<file path=ppt/slides/slide3.xml><?xml version="1.0" encoding="utf-8"?>
+<p:sld xmlns:a="http://schemas.openxmlformats.org/drawingml/2006/main" xmlns:r="http://schemas.openxmlformats.org/officeDocument/2006/relationships" xmlns:p="http://schemas.openxmlformats.org/presentationml/2006/main">
+  <p:cSld>
+    <p:spTree>
+      <p:nvGrpSpPr>
+        <p:cNvPr id="1" name=""/>
+        <p:cNvGrpSpPr/>
+        <p:nvPr/>
+      </p:nvGrpSpPr>
+      <p:grpSpPr>
+        <a:xfrm>
+          <a:off x="0" y="0"/>
+          <a:ext cx="0" cy="0"/>
+          <a:chOff x="0" y="0"/>
+          <a:chExt cx="0" cy="0"/>
+        </a:xfrm>
+      </p:grpSpPr>
+      <p:sp>
+        <p:nvSpPr>
+          <p:cNvPr id="2" name="Título 1"/>
+          <p:cNvSpPr>
+            <a:spLocks noGrp="1"/>
+          </p:cNvSpPr>
+          <p:nvPr>
+            <p:ph type="title"/>
+          </p:nvPr>
+        </p:nvSpPr>
+        <p:spPr/>
+        <p:txBody>
+          <a:bodyPr/>
+          <a:lstStyle/>
+          <a:p>
+            <a:r>
+              <a:rPr lang="pt-BR" dirty="0" smtClean="0"/>
+              <a:t>Origens e Influências</a:t>
+            </a:r>
+            <a:endParaRPr lang="pt-BR" dirty="0"/>
+          </a:p>
+        </p:txBody>
+      </p:sp>
+      <p:sp>
+        <p:nvSpPr>
+          <p:cNvPr id="3" name="Espaço Reservado para Conteúdo 2"/>
+          <p:cNvSpPr>
+            <a:spLocks noGrp="1"/>
+          </p:cNvSpPr>
+          <p:nvPr>
+            <p:ph idx="1"/>
+          </p:nvPr>
+        </p:nvSpPr>
+        <p:spPr/>
+        <p:txBody>
+          <a:bodyPr/>
+          <a:lstStyle/>
+          <a:p>
+            <a:endParaRPr lang="pt-BR" dirty="0"/>
+          </a:p>
+        </p:txBody>
+      </p:sp>
+    </p:spTree>
+    <p:extLst>
+      <p:ext uri="{BB962C8B-B14F-4D97-AF65-F5344CB8AC3E}">
+        <p14:creationId xmlns:p14="http://schemas.microsoft.com/office/powerpoint/2010/main" val="4264718473"/>
       </p:ext>
     </p:extLst>
   </p:cSld>
